--- a/test.pptx
+++ b/test.pptx
@@ -3138,7 +3138,7 @@
                     <a:lstStyle/>
                     <a:p>
                       <a:r>
-                        <a:t>Foo</a:t>
+                        <a:t>Martin</a:t>
                       </a:r>
                     </a:p>
                   </a:txBody>
@@ -3150,7 +3150,7 @@
                     <a:lstStyle/>
                     <a:p>
                       <a:r>
-                        <a:t>Bar</a:t>
+                        <a:t>Köhler</a:t>
                       </a:r>
                     </a:p>
                   </a:txBody>
